--- a/VisiCalc.pptx
+++ b/VisiCalc.pptx
@@ -17,8 +17,9 @@
     <p:sldId id="264" r:id="rId11"/>
     <p:sldId id="268" r:id="rId12"/>
     <p:sldId id="269" r:id="rId13"/>
-    <p:sldId id="262" r:id="rId14"/>
-    <p:sldId id="267" r:id="rId15"/>
+    <p:sldId id="270" r:id="rId14"/>
+    <p:sldId id="262" r:id="rId15"/>
+    <p:sldId id="267" r:id="rId16"/>
   </p:sldIdLst>
   <p:sldSz cx="12192000" cy="6858000"/>
   <p:notesSz cx="6858000" cy="9144000"/>
@@ -4897,6 +4898,307 @@
           <a:lstStyle/>
           <a:p>
             <a:r>
+              <a:rPr lang="en-US" dirty="0" err="1" smtClean="0"/>
+              <a:t>setValue</a:t>
+            </a:r>
+            <a:r>
+              <a:rPr lang="en-US" dirty="0" smtClean="0"/>
+              <a:t>(String input)</a:t>
+            </a:r>
+            <a:endParaRPr lang="en-US" dirty="0"/>
+          </a:p>
+        </p:txBody>
+      </p:sp>
+      <p:sp>
+        <p:nvSpPr>
+          <p:cNvPr id="3" name="Content Placeholder 2"/>
+          <p:cNvSpPr>
+            <a:spLocks noGrp="1"/>
+          </p:cNvSpPr>
+          <p:nvPr>
+            <p:ph idx="1"/>
+          </p:nvPr>
+        </p:nvSpPr>
+        <p:spPr>
+          <a:xfrm>
+            <a:off x="838200" y="1825625"/>
+            <a:ext cx="5475514" cy="4351338"/>
+          </a:xfrm>
+        </p:spPr>
+        <p:txBody>
+          <a:bodyPr/>
+          <a:lstStyle/>
+          <a:p>
+            <a:r>
+              <a:rPr lang="en-US" dirty="0" smtClean="0"/>
+              <a:t>try/catch – handle errors</a:t>
+            </a:r>
+          </a:p>
+          <a:p>
+            <a:pPr lvl="1"/>
+            <a:r>
+              <a:rPr lang="en-US" dirty="0"/>
+              <a:t>c</a:t>
+            </a:r>
+            <a:r>
+              <a:rPr lang="en-US" dirty="0" smtClean="0"/>
+              <a:t>ode in try {    }  executes – if and only if an error occurs, execution moves into catch {   }</a:t>
+            </a:r>
+            <a:endParaRPr lang="en-US" dirty="0"/>
+          </a:p>
+        </p:txBody>
+      </p:sp>
+      <p:sp>
+        <p:nvSpPr>
+          <p:cNvPr id="4" name="TextBox 3"/>
+          <p:cNvSpPr txBox="1"/>
+          <p:nvPr/>
+        </p:nvSpPr>
+        <p:spPr>
+          <a:xfrm>
+            <a:off x="5684524" y="3636071"/>
+            <a:ext cx="5795176" cy="2862322"/>
+          </a:xfrm>
+          <a:prstGeom prst="rect">
+            <a:avLst/>
+          </a:prstGeom>
+          <a:noFill/>
+        </p:spPr>
+        <p:txBody>
+          <a:bodyPr wrap="none" rtlCol="0">
+            <a:spAutoFit/>
+          </a:bodyPr>
+          <a:lstStyle>
+            <a:defPPr>
+              <a:defRPr lang="en-US"/>
+            </a:defPPr>
+            <a:lvl1pPr>
+              <a:defRPr b="1">
+                <a:latin typeface="Courier New" panose="02070309020205020404" pitchFamily="49" charset="0"/>
+                <a:cs typeface="Courier New" panose="02070309020205020404" pitchFamily="49" charset="0"/>
+              </a:defRPr>
+            </a:lvl1pPr>
+          </a:lstStyle>
+          <a:p>
+            <a:r>
+              <a:rPr lang="en-US" dirty="0"/>
+              <a:t>public void </a:t>
+            </a:r>
+            <a:r>
+              <a:rPr lang="en-US" dirty="0" err="1"/>
+              <a:t>setValue</a:t>
+            </a:r>
+            <a:r>
+              <a:rPr lang="en-US" dirty="0"/>
+              <a:t>(String input) {</a:t>
+            </a:r>
+          </a:p>
+          <a:p>
+            <a:r>
+              <a:rPr lang="en-US" dirty="0" smtClean="0"/>
+              <a:t>    Date </a:t>
+            </a:r>
+            <a:r>
+              <a:rPr lang="en-US" dirty="0" err="1"/>
+              <a:t>date</a:t>
+            </a:r>
+            <a:r>
+              <a:rPr lang="en-US" dirty="0"/>
+              <a:t>;</a:t>
+            </a:r>
+          </a:p>
+          <a:p>
+            <a:r>
+              <a:rPr lang="en-US" dirty="0" smtClean="0"/>
+              <a:t>    </a:t>
+            </a:r>
+            <a:r>
+              <a:rPr lang="en-US" dirty="0" smtClean="0">
+                <a:solidFill>
+                  <a:srgbClr val="FF0000"/>
+                </a:solidFill>
+              </a:rPr>
+              <a:t>try </a:t>
+            </a:r>
+            <a:r>
+              <a:rPr lang="en-US" dirty="0">
+                <a:solidFill>
+                  <a:srgbClr val="FF0000"/>
+                </a:solidFill>
+              </a:rPr>
+              <a:t>{</a:t>
+            </a:r>
+          </a:p>
+          <a:p>
+            <a:r>
+              <a:rPr lang="en-US" dirty="0"/>
+              <a:t>	</a:t>
+            </a:r>
+            <a:r>
+              <a:rPr lang="en-US" dirty="0" smtClean="0"/>
+              <a:t>date </a:t>
+            </a:r>
+            <a:r>
+              <a:rPr lang="en-US" dirty="0"/>
+              <a:t>= </a:t>
+            </a:r>
+            <a:r>
+              <a:rPr lang="en-US" dirty="0" err="1"/>
+              <a:t>dateFormat.parse</a:t>
+            </a:r>
+            <a:r>
+              <a:rPr lang="en-US" dirty="0"/>
+              <a:t>(input);	</a:t>
+            </a:r>
+          </a:p>
+          <a:p>
+            <a:r>
+              <a:rPr lang="en-US" dirty="0" smtClean="0"/>
+              <a:t>	input </a:t>
+            </a:r>
+            <a:r>
+              <a:rPr lang="en-US" dirty="0"/>
+              <a:t>= </a:t>
+            </a:r>
+            <a:r>
+              <a:rPr lang="en-US" dirty="0" err="1"/>
+              <a:t>dateFormat.format</a:t>
+            </a:r>
+            <a:r>
+              <a:rPr lang="en-US" dirty="0"/>
+              <a:t>(date);</a:t>
+            </a:r>
+          </a:p>
+          <a:p>
+            <a:r>
+              <a:rPr lang="en-US" dirty="0" smtClean="0"/>
+              <a:t>    </a:t>
+            </a:r>
+            <a:r>
+              <a:rPr lang="en-US" dirty="0" smtClean="0">
+                <a:solidFill>
+                  <a:srgbClr val="FF0000"/>
+                </a:solidFill>
+              </a:rPr>
+              <a:t>} </a:t>
+            </a:r>
+            <a:r>
+              <a:rPr lang="en-US" dirty="0">
+                <a:solidFill>
+                  <a:srgbClr val="FF0000"/>
+                </a:solidFill>
+              </a:rPr>
+              <a:t>catch (Exception e) {</a:t>
+            </a:r>
+          </a:p>
+          <a:p>
+            <a:r>
+              <a:rPr lang="en-US" dirty="0"/>
+              <a:t>	</a:t>
+            </a:r>
+            <a:r>
+              <a:rPr lang="en-US" dirty="0" smtClean="0"/>
+              <a:t>input </a:t>
+            </a:r>
+            <a:r>
+              <a:rPr lang="en-US" dirty="0"/>
+              <a:t>= "";</a:t>
+            </a:r>
+          </a:p>
+          <a:p>
+            <a:r>
+              <a:rPr lang="en-US" dirty="0" smtClean="0"/>
+              <a:t>    </a:t>
+            </a:r>
+            <a:r>
+              <a:rPr lang="en-US" dirty="0" smtClean="0">
+                <a:solidFill>
+                  <a:srgbClr val="FF0000"/>
+                </a:solidFill>
+              </a:rPr>
+              <a:t>}</a:t>
+            </a:r>
+          </a:p>
+          <a:p>
+            <a:r>
+              <a:rPr lang="en-US" dirty="0" smtClean="0"/>
+              <a:t>    </a:t>
+            </a:r>
+            <a:r>
+              <a:rPr lang="en-US" dirty="0" err="1" smtClean="0"/>
+              <a:t>super.setValue</a:t>
+            </a:r>
+            <a:r>
+              <a:rPr lang="en-US" dirty="0" smtClean="0"/>
+              <a:t>(input</a:t>
+            </a:r>
+            <a:r>
+              <a:rPr lang="en-US" dirty="0"/>
+              <a:t>);</a:t>
+            </a:r>
+          </a:p>
+          <a:p>
+            <a:r>
+              <a:rPr lang="en-US" dirty="0" smtClean="0"/>
+              <a:t>}</a:t>
+            </a:r>
+            <a:endParaRPr lang="en-US" dirty="0"/>
+          </a:p>
+        </p:txBody>
+      </p:sp>
+    </p:spTree>
+    <p:extLst>
+      <p:ext uri="{BB962C8B-B14F-4D97-AF65-F5344CB8AC3E}">
+        <p14:creationId xmlns:p14="http://schemas.microsoft.com/office/powerpoint/2010/main" val="345893405"/>
+      </p:ext>
+    </p:extLst>
+  </p:cSld>
+  <p:clrMapOvr>
+    <a:masterClrMapping/>
+  </p:clrMapOvr>
+  <p:timing>
+    <p:tnLst>
+      <p:par>
+        <p:cTn id="1" dur="indefinite" restart="never" nodeType="tmRoot"/>
+      </p:par>
+    </p:tnLst>
+  </p:timing>
+</p:sld>
+</file>
+
+<file path=ppt/slides/slide14.xml><?xml version="1.0" encoding="utf-8"?>
+<p:sld xmlns:a="http://schemas.openxmlformats.org/drawingml/2006/main" xmlns:r="http://schemas.openxmlformats.org/officeDocument/2006/relationships" xmlns:p="http://schemas.openxmlformats.org/presentationml/2006/main">
+  <p:cSld>
+    <p:spTree>
+      <p:nvGrpSpPr>
+        <p:cNvPr id="1" name=""/>
+        <p:cNvGrpSpPr/>
+        <p:nvPr/>
+      </p:nvGrpSpPr>
+      <p:grpSpPr>
+        <a:xfrm>
+          <a:off x="0" y="0"/>
+          <a:ext cx="0" cy="0"/>
+          <a:chOff x="0" y="0"/>
+          <a:chExt cx="0" cy="0"/>
+        </a:xfrm>
+      </p:grpSpPr>
+      <p:sp>
+        <p:nvSpPr>
+          <p:cNvPr id="2" name="Title 1"/>
+          <p:cNvSpPr>
+            <a:spLocks noGrp="1"/>
+          </p:cNvSpPr>
+          <p:nvPr>
+            <p:ph type="title"/>
+          </p:nvPr>
+        </p:nvSpPr>
+        <p:spPr/>
+        <p:txBody>
+          <a:bodyPr/>
+          <a:lstStyle/>
+          <a:p>
+            <a:r>
               <a:rPr lang="en-US" dirty="0" smtClean="0"/>
               <a:t>Testing</a:t>
             </a:r>
@@ -5325,7 +5627,7 @@
 </p:sld>
 </file>
 
-<file path=ppt/slides/slide14.xml><?xml version="1.0" encoding="utf-8"?>
+<file path=ppt/slides/slide15.xml><?xml version="1.0" encoding="utf-8"?>
 <p:sld xmlns:a="http://schemas.openxmlformats.org/drawingml/2006/main" xmlns:r="http://schemas.openxmlformats.org/officeDocument/2006/relationships" xmlns:p="http://schemas.openxmlformats.org/presentationml/2006/main">
   <p:cSld>
     <p:spTree>
@@ -5826,25 +6128,7 @@
                 </a:solidFill>
                 <a:latin typeface="Courier New" panose="02070309020205020404" pitchFamily="49" charset="0"/>
               </a:rPr>
-              <a:t>output   |   </a:t>
-            </a:r>
-            <a:r>
-              <a:rPr lang="en-US" dirty="0" smtClean="0">
-                <a:solidFill>
-                  <a:srgbClr val="000000"/>
-                </a:solidFill>
-                <a:latin typeface="Courier New" panose="02070309020205020404" pitchFamily="49" charset="0"/>
-              </a:rPr>
-              <a:t>in</a:t>
-            </a:r>
-            <a:r>
-              <a:rPr lang="en-US" dirty="0" smtClean="0">
-                <a:solidFill>
-                  <a:srgbClr val="000000"/>
-                </a:solidFill>
-                <a:latin typeface="Courier New" panose="02070309020205020404" pitchFamily="49" charset="0"/>
-              </a:rPr>
-              <a:t>put   </a:t>
+              <a:t>output   |   input   </a:t>
             </a:r>
             <a:endParaRPr lang="en-US" dirty="0">
               <a:solidFill>

--- a/VisiCalc.pptx
+++ b/VisiCalc.pptx
@@ -17,9 +17,8 @@
     <p:sldId id="264" r:id="rId11"/>
     <p:sldId id="268" r:id="rId12"/>
     <p:sldId id="269" r:id="rId13"/>
-    <p:sldId id="270" r:id="rId14"/>
-    <p:sldId id="262" r:id="rId15"/>
-    <p:sldId id="267" r:id="rId16"/>
+    <p:sldId id="262" r:id="rId14"/>
+    <p:sldId id="267" r:id="rId15"/>
   </p:sldIdLst>
   <p:sldSz cx="12192000" cy="6858000"/>
   <p:notesSz cx="6858000" cy="9144000"/>
@@ -4898,307 +4897,6 @@
           <a:lstStyle/>
           <a:p>
             <a:r>
-              <a:rPr lang="en-US" dirty="0" err="1" smtClean="0"/>
-              <a:t>setValue</a:t>
-            </a:r>
-            <a:r>
-              <a:rPr lang="en-US" dirty="0" smtClean="0"/>
-              <a:t>(String input)</a:t>
-            </a:r>
-            <a:endParaRPr lang="en-US" dirty="0"/>
-          </a:p>
-        </p:txBody>
-      </p:sp>
-      <p:sp>
-        <p:nvSpPr>
-          <p:cNvPr id="3" name="Content Placeholder 2"/>
-          <p:cNvSpPr>
-            <a:spLocks noGrp="1"/>
-          </p:cNvSpPr>
-          <p:nvPr>
-            <p:ph idx="1"/>
-          </p:nvPr>
-        </p:nvSpPr>
-        <p:spPr>
-          <a:xfrm>
-            <a:off x="838200" y="1825625"/>
-            <a:ext cx="5475514" cy="4351338"/>
-          </a:xfrm>
-        </p:spPr>
-        <p:txBody>
-          <a:bodyPr/>
-          <a:lstStyle/>
-          <a:p>
-            <a:r>
-              <a:rPr lang="en-US" dirty="0" smtClean="0"/>
-              <a:t>try/catch – handle errors</a:t>
-            </a:r>
-          </a:p>
-          <a:p>
-            <a:pPr lvl="1"/>
-            <a:r>
-              <a:rPr lang="en-US" dirty="0"/>
-              <a:t>c</a:t>
-            </a:r>
-            <a:r>
-              <a:rPr lang="en-US" dirty="0" smtClean="0"/>
-              <a:t>ode in try {    }  executes – if and only if an error occurs, execution moves into catch {   }</a:t>
-            </a:r>
-            <a:endParaRPr lang="en-US" dirty="0"/>
-          </a:p>
-        </p:txBody>
-      </p:sp>
-      <p:sp>
-        <p:nvSpPr>
-          <p:cNvPr id="4" name="TextBox 3"/>
-          <p:cNvSpPr txBox="1"/>
-          <p:nvPr/>
-        </p:nvSpPr>
-        <p:spPr>
-          <a:xfrm>
-            <a:off x="5684524" y="3636071"/>
-            <a:ext cx="5795176" cy="2862322"/>
-          </a:xfrm>
-          <a:prstGeom prst="rect">
-            <a:avLst/>
-          </a:prstGeom>
-          <a:noFill/>
-        </p:spPr>
-        <p:txBody>
-          <a:bodyPr wrap="none" rtlCol="0">
-            <a:spAutoFit/>
-          </a:bodyPr>
-          <a:lstStyle>
-            <a:defPPr>
-              <a:defRPr lang="en-US"/>
-            </a:defPPr>
-            <a:lvl1pPr>
-              <a:defRPr b="1">
-                <a:latin typeface="Courier New" panose="02070309020205020404" pitchFamily="49" charset="0"/>
-                <a:cs typeface="Courier New" panose="02070309020205020404" pitchFamily="49" charset="0"/>
-              </a:defRPr>
-            </a:lvl1pPr>
-          </a:lstStyle>
-          <a:p>
-            <a:r>
-              <a:rPr lang="en-US" dirty="0"/>
-              <a:t>public void </a:t>
-            </a:r>
-            <a:r>
-              <a:rPr lang="en-US" dirty="0" err="1"/>
-              <a:t>setValue</a:t>
-            </a:r>
-            <a:r>
-              <a:rPr lang="en-US" dirty="0"/>
-              <a:t>(String input) {</a:t>
-            </a:r>
-          </a:p>
-          <a:p>
-            <a:r>
-              <a:rPr lang="en-US" dirty="0" smtClean="0"/>
-              <a:t>    Date </a:t>
-            </a:r>
-            <a:r>
-              <a:rPr lang="en-US" dirty="0" err="1"/>
-              <a:t>date</a:t>
-            </a:r>
-            <a:r>
-              <a:rPr lang="en-US" dirty="0"/>
-              <a:t>;</a:t>
-            </a:r>
-          </a:p>
-          <a:p>
-            <a:r>
-              <a:rPr lang="en-US" dirty="0" smtClean="0"/>
-              <a:t>    </a:t>
-            </a:r>
-            <a:r>
-              <a:rPr lang="en-US" dirty="0" smtClean="0">
-                <a:solidFill>
-                  <a:srgbClr val="FF0000"/>
-                </a:solidFill>
-              </a:rPr>
-              <a:t>try </a:t>
-            </a:r>
-            <a:r>
-              <a:rPr lang="en-US" dirty="0">
-                <a:solidFill>
-                  <a:srgbClr val="FF0000"/>
-                </a:solidFill>
-              </a:rPr>
-              <a:t>{</a:t>
-            </a:r>
-          </a:p>
-          <a:p>
-            <a:r>
-              <a:rPr lang="en-US" dirty="0"/>
-              <a:t>	</a:t>
-            </a:r>
-            <a:r>
-              <a:rPr lang="en-US" dirty="0" smtClean="0"/>
-              <a:t>date </a:t>
-            </a:r>
-            <a:r>
-              <a:rPr lang="en-US" dirty="0"/>
-              <a:t>= </a:t>
-            </a:r>
-            <a:r>
-              <a:rPr lang="en-US" dirty="0" err="1"/>
-              <a:t>dateFormat.parse</a:t>
-            </a:r>
-            <a:r>
-              <a:rPr lang="en-US" dirty="0"/>
-              <a:t>(input);	</a:t>
-            </a:r>
-          </a:p>
-          <a:p>
-            <a:r>
-              <a:rPr lang="en-US" dirty="0" smtClean="0"/>
-              <a:t>	input </a:t>
-            </a:r>
-            <a:r>
-              <a:rPr lang="en-US" dirty="0"/>
-              <a:t>= </a:t>
-            </a:r>
-            <a:r>
-              <a:rPr lang="en-US" dirty="0" err="1"/>
-              <a:t>dateFormat.format</a:t>
-            </a:r>
-            <a:r>
-              <a:rPr lang="en-US" dirty="0"/>
-              <a:t>(date);</a:t>
-            </a:r>
-          </a:p>
-          <a:p>
-            <a:r>
-              <a:rPr lang="en-US" dirty="0" smtClean="0"/>
-              <a:t>    </a:t>
-            </a:r>
-            <a:r>
-              <a:rPr lang="en-US" dirty="0" smtClean="0">
-                <a:solidFill>
-                  <a:srgbClr val="FF0000"/>
-                </a:solidFill>
-              </a:rPr>
-              <a:t>} </a:t>
-            </a:r>
-            <a:r>
-              <a:rPr lang="en-US" dirty="0">
-                <a:solidFill>
-                  <a:srgbClr val="FF0000"/>
-                </a:solidFill>
-              </a:rPr>
-              <a:t>catch (Exception e) {</a:t>
-            </a:r>
-          </a:p>
-          <a:p>
-            <a:r>
-              <a:rPr lang="en-US" dirty="0"/>
-              <a:t>	</a:t>
-            </a:r>
-            <a:r>
-              <a:rPr lang="en-US" dirty="0" smtClean="0"/>
-              <a:t>input </a:t>
-            </a:r>
-            <a:r>
-              <a:rPr lang="en-US" dirty="0"/>
-              <a:t>= "";</a:t>
-            </a:r>
-          </a:p>
-          <a:p>
-            <a:r>
-              <a:rPr lang="en-US" dirty="0" smtClean="0"/>
-              <a:t>    </a:t>
-            </a:r>
-            <a:r>
-              <a:rPr lang="en-US" dirty="0" smtClean="0">
-                <a:solidFill>
-                  <a:srgbClr val="FF0000"/>
-                </a:solidFill>
-              </a:rPr>
-              <a:t>}</a:t>
-            </a:r>
-          </a:p>
-          <a:p>
-            <a:r>
-              <a:rPr lang="en-US" dirty="0" smtClean="0"/>
-              <a:t>    </a:t>
-            </a:r>
-            <a:r>
-              <a:rPr lang="en-US" dirty="0" err="1" smtClean="0"/>
-              <a:t>super.setValue</a:t>
-            </a:r>
-            <a:r>
-              <a:rPr lang="en-US" dirty="0" smtClean="0"/>
-              <a:t>(input</a:t>
-            </a:r>
-            <a:r>
-              <a:rPr lang="en-US" dirty="0"/>
-              <a:t>);</a:t>
-            </a:r>
-          </a:p>
-          <a:p>
-            <a:r>
-              <a:rPr lang="en-US" dirty="0" smtClean="0"/>
-              <a:t>}</a:t>
-            </a:r>
-            <a:endParaRPr lang="en-US" dirty="0"/>
-          </a:p>
-        </p:txBody>
-      </p:sp>
-    </p:spTree>
-    <p:extLst>
-      <p:ext uri="{BB962C8B-B14F-4D97-AF65-F5344CB8AC3E}">
-        <p14:creationId xmlns:p14="http://schemas.microsoft.com/office/powerpoint/2010/main" val="345893405"/>
-      </p:ext>
-    </p:extLst>
-  </p:cSld>
-  <p:clrMapOvr>
-    <a:masterClrMapping/>
-  </p:clrMapOvr>
-  <p:timing>
-    <p:tnLst>
-      <p:par>
-        <p:cTn id="1" dur="indefinite" restart="never" nodeType="tmRoot"/>
-      </p:par>
-    </p:tnLst>
-  </p:timing>
-</p:sld>
-</file>
-
-<file path=ppt/slides/slide14.xml><?xml version="1.0" encoding="utf-8"?>
-<p:sld xmlns:a="http://schemas.openxmlformats.org/drawingml/2006/main" xmlns:r="http://schemas.openxmlformats.org/officeDocument/2006/relationships" xmlns:p="http://schemas.openxmlformats.org/presentationml/2006/main">
-  <p:cSld>
-    <p:spTree>
-      <p:nvGrpSpPr>
-        <p:cNvPr id="1" name=""/>
-        <p:cNvGrpSpPr/>
-        <p:nvPr/>
-      </p:nvGrpSpPr>
-      <p:grpSpPr>
-        <a:xfrm>
-          <a:off x="0" y="0"/>
-          <a:ext cx="0" cy="0"/>
-          <a:chOff x="0" y="0"/>
-          <a:chExt cx="0" cy="0"/>
-        </a:xfrm>
-      </p:grpSpPr>
-      <p:sp>
-        <p:nvSpPr>
-          <p:cNvPr id="2" name="Title 1"/>
-          <p:cNvSpPr>
-            <a:spLocks noGrp="1"/>
-          </p:cNvSpPr>
-          <p:nvPr>
-            <p:ph type="title"/>
-          </p:nvPr>
-        </p:nvSpPr>
-        <p:spPr/>
-        <p:txBody>
-          <a:bodyPr/>
-          <a:lstStyle/>
-          <a:p>
-            <a:r>
               <a:rPr lang="en-US" dirty="0" smtClean="0"/>
               <a:t>Testing</a:t>
             </a:r>
@@ -5627,7 +5325,7 @@
 </p:sld>
 </file>
 
-<file path=ppt/slides/slide15.xml><?xml version="1.0" encoding="utf-8"?>
+<file path=ppt/slides/slide14.xml><?xml version="1.0" encoding="utf-8"?>
 <p:sld xmlns:a="http://schemas.openxmlformats.org/drawingml/2006/main" xmlns:r="http://schemas.openxmlformats.org/officeDocument/2006/relationships" xmlns:p="http://schemas.openxmlformats.org/presentationml/2006/main">
   <p:cSld>
     <p:spTree>
@@ -6128,7 +5826,25 @@
                 </a:solidFill>
                 <a:latin typeface="Courier New" panose="02070309020205020404" pitchFamily="49" charset="0"/>
               </a:rPr>
-              <a:t>output   |   input   </a:t>
+              <a:t>output   |   </a:t>
+            </a:r>
+            <a:r>
+              <a:rPr lang="en-US" dirty="0" smtClean="0">
+                <a:solidFill>
+                  <a:srgbClr val="000000"/>
+                </a:solidFill>
+                <a:latin typeface="Courier New" panose="02070309020205020404" pitchFamily="49" charset="0"/>
+              </a:rPr>
+              <a:t>in</a:t>
+            </a:r>
+            <a:r>
+              <a:rPr lang="en-US" dirty="0" smtClean="0">
+                <a:solidFill>
+                  <a:srgbClr val="000000"/>
+                </a:solidFill>
+                <a:latin typeface="Courier New" panose="02070309020205020404" pitchFamily="49" charset="0"/>
+              </a:rPr>
+              <a:t>put   </a:t>
             </a:r>
             <a:endParaRPr lang="en-US" dirty="0">
               <a:solidFill>
